--- a/프레젠테이션1.pptx
+++ b/프레젠테이션1.pptx
@@ -104,6 +104,11 @@
       </a:defRPr>
     </a:lvl9pPr>
   </p:defaultTextStyle>
+  <p:extLst>
+    <p:ext uri="{EFAFB233-063F-42B5-8137-9DF3F51BA10A}">
+      <p15:sldGuideLst xmlns:p15="http://schemas.microsoft.com/office/powerpoint/2012/main"/>
+    </p:ext>
+  </p:extLst>
 </p:presentation>
 </file>
 
@@ -254,7 +259,7 @@
           <a:p>
             <a:fld id="{C82F2517-7766-49EC-902D-F0E3287773FA}" type="datetimeFigureOut">
               <a:rPr lang="ko-KR" altLang="en-US" smtClean="0"/>
-              <a:t>2022-04-17</a:t>
+              <a:t>2022-04-20</a:t>
             </a:fld>
             <a:endParaRPr lang="ko-KR" altLang="en-US"/>
           </a:p>
@@ -452,7 +457,7 @@
           <a:p>
             <a:fld id="{C82F2517-7766-49EC-902D-F0E3287773FA}" type="datetimeFigureOut">
               <a:rPr lang="ko-KR" altLang="en-US" smtClean="0"/>
-              <a:t>2022-04-17</a:t>
+              <a:t>2022-04-20</a:t>
             </a:fld>
             <a:endParaRPr lang="ko-KR" altLang="en-US"/>
           </a:p>
@@ -660,7 +665,7 @@
           <a:p>
             <a:fld id="{C82F2517-7766-49EC-902D-F0E3287773FA}" type="datetimeFigureOut">
               <a:rPr lang="ko-KR" altLang="en-US" smtClean="0"/>
-              <a:t>2022-04-17</a:t>
+              <a:t>2022-04-20</a:t>
             </a:fld>
             <a:endParaRPr lang="ko-KR" altLang="en-US"/>
           </a:p>
@@ -858,7 +863,7 @@
           <a:p>
             <a:fld id="{C82F2517-7766-49EC-902D-F0E3287773FA}" type="datetimeFigureOut">
               <a:rPr lang="ko-KR" altLang="en-US" smtClean="0"/>
-              <a:t>2022-04-17</a:t>
+              <a:t>2022-04-20</a:t>
             </a:fld>
             <a:endParaRPr lang="ko-KR" altLang="en-US"/>
           </a:p>
@@ -1133,7 +1138,7 @@
           <a:p>
             <a:fld id="{C82F2517-7766-49EC-902D-F0E3287773FA}" type="datetimeFigureOut">
               <a:rPr lang="ko-KR" altLang="en-US" smtClean="0"/>
-              <a:t>2022-04-17</a:t>
+              <a:t>2022-04-20</a:t>
             </a:fld>
             <a:endParaRPr lang="ko-KR" altLang="en-US"/>
           </a:p>
@@ -1398,7 +1403,7 @@
           <a:p>
             <a:fld id="{C82F2517-7766-49EC-902D-F0E3287773FA}" type="datetimeFigureOut">
               <a:rPr lang="ko-KR" altLang="en-US" smtClean="0"/>
-              <a:t>2022-04-17</a:t>
+              <a:t>2022-04-20</a:t>
             </a:fld>
             <a:endParaRPr lang="ko-KR" altLang="en-US"/>
           </a:p>
@@ -1810,7 +1815,7 @@
           <a:p>
             <a:fld id="{C82F2517-7766-49EC-902D-F0E3287773FA}" type="datetimeFigureOut">
               <a:rPr lang="ko-KR" altLang="en-US" smtClean="0"/>
-              <a:t>2022-04-17</a:t>
+              <a:t>2022-04-20</a:t>
             </a:fld>
             <a:endParaRPr lang="ko-KR" altLang="en-US"/>
           </a:p>
@@ -1951,7 +1956,7 @@
           <a:p>
             <a:fld id="{C82F2517-7766-49EC-902D-F0E3287773FA}" type="datetimeFigureOut">
               <a:rPr lang="ko-KR" altLang="en-US" smtClean="0"/>
-              <a:t>2022-04-17</a:t>
+              <a:t>2022-04-20</a:t>
             </a:fld>
             <a:endParaRPr lang="ko-KR" altLang="en-US"/>
           </a:p>
@@ -2064,7 +2069,7 @@
           <a:p>
             <a:fld id="{C82F2517-7766-49EC-902D-F0E3287773FA}" type="datetimeFigureOut">
               <a:rPr lang="ko-KR" altLang="en-US" smtClean="0"/>
-              <a:t>2022-04-17</a:t>
+              <a:t>2022-04-20</a:t>
             </a:fld>
             <a:endParaRPr lang="ko-KR" altLang="en-US"/>
           </a:p>
@@ -2375,7 +2380,7 @@
           <a:p>
             <a:fld id="{C82F2517-7766-49EC-902D-F0E3287773FA}" type="datetimeFigureOut">
               <a:rPr lang="ko-KR" altLang="en-US" smtClean="0"/>
-              <a:t>2022-04-17</a:t>
+              <a:t>2022-04-20</a:t>
             </a:fld>
             <a:endParaRPr lang="ko-KR" altLang="en-US"/>
           </a:p>
@@ -2663,7 +2668,7 @@
           <a:p>
             <a:fld id="{C82F2517-7766-49EC-902D-F0E3287773FA}" type="datetimeFigureOut">
               <a:rPr lang="ko-KR" altLang="en-US" smtClean="0"/>
-              <a:t>2022-04-17</a:t>
+              <a:t>2022-04-20</a:t>
             </a:fld>
             <a:endParaRPr lang="ko-KR" altLang="en-US"/>
           </a:p>
@@ -2904,7 +2909,7 @@
           <a:p>
             <a:fld id="{C82F2517-7766-49EC-902D-F0E3287773FA}" type="datetimeFigureOut">
               <a:rPr lang="ko-KR" altLang="en-US" smtClean="0"/>
-              <a:t>2022-04-17</a:t>
+              <a:t>2022-04-20</a:t>
             </a:fld>
             <a:endParaRPr lang="ko-KR" altLang="en-US"/>
           </a:p>
@@ -3373,10 +3378,10 @@
       </p:sp>
       <p:grpSp>
         <p:nvGrpSpPr>
-          <p:cNvPr id="16" name="그룹 15">
-            <a:extLst>
-              <a:ext uri="{FF2B5EF4-FFF2-40B4-BE49-F238E27FC236}">
-                <a16:creationId xmlns:a16="http://schemas.microsoft.com/office/drawing/2014/main" id="{C258691F-50F4-4FAB-B657-43213D764CDA}"/>
+          <p:cNvPr id="12" name="그룹 11">
+            <a:extLst>
+              <a:ext uri="{FF2B5EF4-FFF2-40B4-BE49-F238E27FC236}">
+                <a16:creationId xmlns:a16="http://schemas.microsoft.com/office/drawing/2014/main" id="{C8C0A82E-A27D-4B1D-BE2F-5DBDD2FBC9AA}"/>
               </a:ext>
             </a:extLst>
           </p:cNvPr>
@@ -3391,12 +3396,233 @@
             <a:chExt cx="5874960" cy="5457095"/>
           </a:xfrm>
         </p:grpSpPr>
+        <p:grpSp>
+          <p:nvGrpSpPr>
+            <p:cNvPr id="16" name="그룹 15">
+              <a:extLst>
+                <a:ext uri="{FF2B5EF4-FFF2-40B4-BE49-F238E27FC236}">
+                  <a16:creationId xmlns:a16="http://schemas.microsoft.com/office/drawing/2014/main" id="{C258691F-50F4-4FAB-B657-43213D764CDA}"/>
+                </a:ext>
+              </a:extLst>
+            </p:cNvPr>
+            <p:cNvGrpSpPr/>
+            <p:nvPr/>
+          </p:nvGrpSpPr>
+          <p:grpSpPr>
+            <a:xfrm>
+              <a:off x="906807" y="653924"/>
+              <a:ext cx="5874960" cy="5457095"/>
+              <a:chOff x="906807" y="653924"/>
+              <a:chExt cx="5874960" cy="5457095"/>
+            </a:xfrm>
+          </p:grpSpPr>
+          <p:pic>
+            <p:nvPicPr>
+              <p:cNvPr id="5" name="그림 4" descr="텍스트이(가) 표시된 사진&#10;&#10;자동 생성된 설명">
+                <a:extLst>
+                  <a:ext uri="{FF2B5EF4-FFF2-40B4-BE49-F238E27FC236}">
+                    <a16:creationId xmlns:a16="http://schemas.microsoft.com/office/drawing/2014/main" id="{0425D4CD-E28A-4860-9A64-0CEC488CB710}"/>
+                  </a:ext>
+                </a:extLst>
+              </p:cNvPr>
+              <p:cNvPicPr>
+                <a:picLocks noChangeAspect="1"/>
+              </p:cNvPicPr>
+              <p:nvPr/>
+            </p:nvPicPr>
+            <p:blipFill rotWithShape="1">
+              <a:blip r:embed="rId2">
+                <a:extLst>
+                  <a:ext uri="{28A0092B-C50C-407E-A947-70E740481C1C}">
+                    <a14:useLocalDpi xmlns:a14="http://schemas.microsoft.com/office/drawing/2010/main" val="0"/>
+                  </a:ext>
+                </a:extLst>
+              </a:blip>
+              <a:srcRect l="295" t="13711" r="547"/>
+              <a:stretch/>
+            </p:blipFill>
+            <p:spPr>
+              <a:xfrm>
+                <a:off x="2872287" y="3398807"/>
+                <a:ext cx="1944000" cy="2712211"/>
+              </a:xfrm>
+              <a:prstGeom prst="rect">
+                <a:avLst/>
+              </a:prstGeom>
+              <a:ln>
+                <a:solidFill>
+                  <a:schemeClr val="tx1"/>
+                </a:solidFill>
+              </a:ln>
+            </p:spPr>
+          </p:pic>
+          <p:pic>
+            <p:nvPicPr>
+              <p:cNvPr id="7" name="그림 6" descr="텍스트이(가) 표시된 사진&#10;&#10;자동 생성된 설명">
+                <a:extLst>
+                  <a:ext uri="{FF2B5EF4-FFF2-40B4-BE49-F238E27FC236}">
+                    <a16:creationId xmlns:a16="http://schemas.microsoft.com/office/drawing/2014/main" id="{3B7C230B-398E-40A4-9996-4023FFD8F15A}"/>
+                  </a:ext>
+                </a:extLst>
+              </p:cNvPr>
+              <p:cNvPicPr>
+                <a:picLocks noChangeAspect="1"/>
+              </p:cNvPicPr>
+              <p:nvPr/>
+            </p:nvPicPr>
+            <p:blipFill rotWithShape="1">
+              <a:blip r:embed="rId3">
+                <a:extLst>
+                  <a:ext uri="{28A0092B-C50C-407E-A947-70E740481C1C}">
+                    <a14:useLocalDpi xmlns:a14="http://schemas.microsoft.com/office/drawing/2010/main" val="0"/>
+                  </a:ext>
+                </a:extLst>
+              </a:blip>
+              <a:srcRect l="622" t="14178" r="854" b="426"/>
+              <a:stretch/>
+            </p:blipFill>
+            <p:spPr>
+              <a:xfrm>
+                <a:off x="4837767" y="653924"/>
+                <a:ext cx="1944000" cy="2712211"/>
+              </a:xfrm>
+              <a:prstGeom prst="rect">
+                <a:avLst/>
+              </a:prstGeom>
+              <a:ln>
+                <a:solidFill>
+                  <a:schemeClr val="tx1"/>
+                </a:solidFill>
+              </a:ln>
+            </p:spPr>
+          </p:pic>
+          <p:pic>
+            <p:nvPicPr>
+              <p:cNvPr id="9" name="그림 8" descr="텍스트이(가) 표시된 사진&#10;&#10;자동 생성된 설명">
+                <a:extLst>
+                  <a:ext uri="{FF2B5EF4-FFF2-40B4-BE49-F238E27FC236}">
+                    <a16:creationId xmlns:a16="http://schemas.microsoft.com/office/drawing/2014/main" id="{FD209C82-29C6-40B5-A44E-A0841112978D}"/>
+                  </a:ext>
+                </a:extLst>
+              </p:cNvPr>
+              <p:cNvPicPr>
+                <a:picLocks noChangeAspect="1"/>
+              </p:cNvPicPr>
+              <p:nvPr/>
+            </p:nvPicPr>
+            <p:blipFill rotWithShape="1">
+              <a:blip r:embed="rId4">
+                <a:extLst>
+                  <a:ext uri="{28A0092B-C50C-407E-A947-70E740481C1C}">
+                    <a14:useLocalDpi xmlns:a14="http://schemas.microsoft.com/office/drawing/2010/main" val="0"/>
+                  </a:ext>
+                </a:extLst>
+              </a:blip>
+              <a:srcRect t="13738" r="533"/>
+              <a:stretch/>
+            </p:blipFill>
+            <p:spPr>
+              <a:xfrm>
+                <a:off x="2872287" y="653924"/>
+                <a:ext cx="1944000" cy="2712211"/>
+              </a:xfrm>
+              <a:prstGeom prst="rect">
+                <a:avLst/>
+              </a:prstGeom>
+              <a:ln>
+                <a:solidFill>
+                  <a:schemeClr val="tx1"/>
+                </a:solidFill>
+              </a:ln>
+            </p:spPr>
+          </p:pic>
+          <p:pic>
+            <p:nvPicPr>
+              <p:cNvPr id="11" name="그림 10">
+                <a:extLst>
+                  <a:ext uri="{FF2B5EF4-FFF2-40B4-BE49-F238E27FC236}">
+                    <a16:creationId xmlns:a16="http://schemas.microsoft.com/office/drawing/2014/main" id="{52F3AAE8-2718-43CD-8854-E537BDA05A98}"/>
+                  </a:ext>
+                </a:extLst>
+              </p:cNvPr>
+              <p:cNvPicPr>
+                <a:picLocks noChangeAspect="1"/>
+              </p:cNvPicPr>
+              <p:nvPr/>
+            </p:nvPicPr>
+            <p:blipFill rotWithShape="1">
+              <a:blip r:embed="rId5">
+                <a:extLst>
+                  <a:ext uri="{28A0092B-C50C-407E-A947-70E740481C1C}">
+                    <a14:useLocalDpi xmlns:a14="http://schemas.microsoft.com/office/drawing/2010/main" val="0"/>
+                  </a:ext>
+                </a:extLst>
+              </a:blip>
+              <a:srcRect l="658" t="13690" r="939" b="674"/>
+              <a:stretch/>
+            </p:blipFill>
+            <p:spPr>
+              <a:xfrm>
+                <a:off x="906807" y="3398808"/>
+                <a:ext cx="1944000" cy="2712211"/>
+              </a:xfrm>
+              <a:prstGeom prst="rect">
+                <a:avLst/>
+              </a:prstGeom>
+              <a:ln>
+                <a:solidFill>
+                  <a:schemeClr val="tx1"/>
+                </a:solidFill>
+              </a:ln>
+            </p:spPr>
+          </p:pic>
+          <p:pic>
+            <p:nvPicPr>
+              <p:cNvPr id="13" name="그림 12">
+                <a:extLst>
+                  <a:ext uri="{FF2B5EF4-FFF2-40B4-BE49-F238E27FC236}">
+                    <a16:creationId xmlns:a16="http://schemas.microsoft.com/office/drawing/2014/main" id="{6B26D4B9-671D-4B51-A98D-FE1E558461BE}"/>
+                  </a:ext>
+                </a:extLst>
+              </p:cNvPr>
+              <p:cNvPicPr>
+                <a:picLocks noChangeAspect="1"/>
+              </p:cNvPicPr>
+              <p:nvPr/>
+            </p:nvPicPr>
+            <p:blipFill rotWithShape="1">
+              <a:blip r:embed="rId6">
+                <a:extLst>
+                  <a:ext uri="{28A0092B-C50C-407E-A947-70E740481C1C}">
+                    <a14:useLocalDpi xmlns:a14="http://schemas.microsoft.com/office/drawing/2010/main" val="0"/>
+                  </a:ext>
+                </a:extLst>
+              </a:blip>
+              <a:srcRect l="592" t="13642" r="901" b="264"/>
+              <a:stretch/>
+            </p:blipFill>
+            <p:spPr>
+              <a:xfrm>
+                <a:off x="906807" y="653924"/>
+                <a:ext cx="1944000" cy="2712209"/>
+              </a:xfrm>
+              <a:prstGeom prst="rect">
+                <a:avLst/>
+              </a:prstGeom>
+              <a:ln>
+                <a:solidFill>
+                  <a:schemeClr val="tx1"/>
+                </a:solidFill>
+              </a:ln>
+            </p:spPr>
+          </p:pic>
+        </p:grpSp>
         <p:pic>
           <p:nvPicPr>
-            <p:cNvPr id="5" name="그림 4" descr="텍스트이(가) 표시된 사진&#10;&#10;자동 생성된 설명">
+            <p:cNvPr id="10" name="그림 9">
               <a:extLst>
                 <a:ext uri="{FF2B5EF4-FFF2-40B4-BE49-F238E27FC236}">
-                  <a16:creationId xmlns:a16="http://schemas.microsoft.com/office/drawing/2014/main" id="{0425D4CD-E28A-4860-9A64-0CEC488CB710}"/>
+                  <a16:creationId xmlns:a16="http://schemas.microsoft.com/office/drawing/2014/main" id="{2DAF2458-223E-4852-ABE4-43DB25A03A05}"/>
                 </a:ext>
               </a:extLst>
             </p:cNvPr>
@@ -3405,181 +3631,16 @@
             </p:cNvPicPr>
             <p:nvPr/>
           </p:nvPicPr>
-          <p:blipFill rotWithShape="1">
-            <a:blip r:embed="rId2">
-              <a:extLst>
-                <a:ext uri="{28A0092B-C50C-407E-A947-70E740481C1C}">
-                  <a14:useLocalDpi xmlns:a14="http://schemas.microsoft.com/office/drawing/2010/main" val="0"/>
-                </a:ext>
-              </a:extLst>
-            </a:blip>
-            <a:srcRect l="295" t="13711" r="547"/>
-            <a:stretch/>
+          <p:blipFill>
+            <a:blip r:embed="rId7"/>
+            <a:stretch>
+              <a:fillRect/>
+            </a:stretch>
           </p:blipFill>
           <p:spPr>
             <a:xfrm>
-              <a:off x="2872287" y="3398807"/>
-              <a:ext cx="1944000" cy="2712211"/>
-            </a:xfrm>
-            <a:prstGeom prst="rect">
-              <a:avLst/>
-            </a:prstGeom>
-            <a:ln>
-              <a:solidFill>
-                <a:schemeClr val="tx1"/>
-              </a:solidFill>
-            </a:ln>
-          </p:spPr>
-        </p:pic>
-        <p:pic>
-          <p:nvPicPr>
-            <p:cNvPr id="7" name="그림 6" descr="텍스트이(가) 표시된 사진&#10;&#10;자동 생성된 설명">
-              <a:extLst>
-                <a:ext uri="{FF2B5EF4-FFF2-40B4-BE49-F238E27FC236}">
-                  <a16:creationId xmlns:a16="http://schemas.microsoft.com/office/drawing/2014/main" id="{3B7C230B-398E-40A4-9996-4023FFD8F15A}"/>
-                </a:ext>
-              </a:extLst>
-            </p:cNvPr>
-            <p:cNvPicPr>
-              <a:picLocks noChangeAspect="1"/>
-            </p:cNvPicPr>
-            <p:nvPr/>
-          </p:nvPicPr>
-          <p:blipFill rotWithShape="1">
-            <a:blip r:embed="rId3">
-              <a:extLst>
-                <a:ext uri="{28A0092B-C50C-407E-A947-70E740481C1C}">
-                  <a14:useLocalDpi xmlns:a14="http://schemas.microsoft.com/office/drawing/2010/main" val="0"/>
-                </a:ext>
-              </a:extLst>
-            </a:blip>
-            <a:srcRect l="622" t="14178" r="854" b="426"/>
-            <a:stretch/>
-          </p:blipFill>
-          <p:spPr>
-            <a:xfrm>
-              <a:off x="4837767" y="653924"/>
-              <a:ext cx="1944000" cy="2712211"/>
-            </a:xfrm>
-            <a:prstGeom prst="rect">
-              <a:avLst/>
-            </a:prstGeom>
-            <a:ln>
-              <a:solidFill>
-                <a:schemeClr val="tx1"/>
-              </a:solidFill>
-            </a:ln>
-          </p:spPr>
-        </p:pic>
-        <p:pic>
-          <p:nvPicPr>
-            <p:cNvPr id="9" name="그림 8" descr="텍스트이(가) 표시된 사진&#10;&#10;자동 생성된 설명">
-              <a:extLst>
-                <a:ext uri="{FF2B5EF4-FFF2-40B4-BE49-F238E27FC236}">
-                  <a16:creationId xmlns:a16="http://schemas.microsoft.com/office/drawing/2014/main" id="{FD209C82-29C6-40B5-A44E-A0841112978D}"/>
-                </a:ext>
-              </a:extLst>
-            </p:cNvPr>
-            <p:cNvPicPr>
-              <a:picLocks noChangeAspect="1"/>
-            </p:cNvPicPr>
-            <p:nvPr/>
-          </p:nvPicPr>
-          <p:blipFill rotWithShape="1">
-            <a:blip r:embed="rId4">
-              <a:extLst>
-                <a:ext uri="{28A0092B-C50C-407E-A947-70E740481C1C}">
-                  <a14:useLocalDpi xmlns:a14="http://schemas.microsoft.com/office/drawing/2010/main" val="0"/>
-                </a:ext>
-              </a:extLst>
-            </a:blip>
-            <a:srcRect t="13738" r="533"/>
-            <a:stretch/>
-          </p:blipFill>
-          <p:spPr>
-            <a:xfrm>
-              <a:off x="2872287" y="653924"/>
-              <a:ext cx="1944000" cy="2712211"/>
-            </a:xfrm>
-            <a:prstGeom prst="rect">
-              <a:avLst/>
-            </a:prstGeom>
-            <a:ln>
-              <a:solidFill>
-                <a:schemeClr val="tx1"/>
-              </a:solidFill>
-            </a:ln>
-          </p:spPr>
-        </p:pic>
-        <p:pic>
-          <p:nvPicPr>
-            <p:cNvPr id="11" name="그림 10">
-              <a:extLst>
-                <a:ext uri="{FF2B5EF4-FFF2-40B4-BE49-F238E27FC236}">
-                  <a16:creationId xmlns:a16="http://schemas.microsoft.com/office/drawing/2014/main" id="{52F3AAE8-2718-43CD-8854-E537BDA05A98}"/>
-                </a:ext>
-              </a:extLst>
-            </p:cNvPr>
-            <p:cNvPicPr>
-              <a:picLocks noChangeAspect="1"/>
-            </p:cNvPicPr>
-            <p:nvPr/>
-          </p:nvPicPr>
-          <p:blipFill rotWithShape="1">
-            <a:blip r:embed="rId5">
-              <a:extLst>
-                <a:ext uri="{28A0092B-C50C-407E-A947-70E740481C1C}">
-                  <a14:useLocalDpi xmlns:a14="http://schemas.microsoft.com/office/drawing/2010/main" val="0"/>
-                </a:ext>
-              </a:extLst>
-            </a:blip>
-            <a:srcRect l="658" t="13690" r="939" b="674"/>
-            <a:stretch/>
-          </p:blipFill>
-          <p:spPr>
-            <a:xfrm>
-              <a:off x="906807" y="3398808"/>
-              <a:ext cx="1944000" cy="2712211"/>
-            </a:xfrm>
-            <a:prstGeom prst="rect">
-              <a:avLst/>
-            </a:prstGeom>
-            <a:ln>
-              <a:solidFill>
-                <a:schemeClr val="tx1"/>
-              </a:solidFill>
-            </a:ln>
-          </p:spPr>
-        </p:pic>
-        <p:pic>
-          <p:nvPicPr>
-            <p:cNvPr id="13" name="그림 12">
-              <a:extLst>
-                <a:ext uri="{FF2B5EF4-FFF2-40B4-BE49-F238E27FC236}">
-                  <a16:creationId xmlns:a16="http://schemas.microsoft.com/office/drawing/2014/main" id="{6B26D4B9-671D-4B51-A98D-FE1E558461BE}"/>
-                </a:ext>
-              </a:extLst>
-            </p:cNvPr>
-            <p:cNvPicPr>
-              <a:picLocks noChangeAspect="1"/>
-            </p:cNvPicPr>
-            <p:nvPr/>
-          </p:nvPicPr>
-          <p:blipFill rotWithShape="1">
-            <a:blip r:embed="rId6">
-              <a:extLst>
-                <a:ext uri="{28A0092B-C50C-407E-A947-70E740481C1C}">
-                  <a14:useLocalDpi xmlns:a14="http://schemas.microsoft.com/office/drawing/2010/main" val="0"/>
-                </a:ext>
-              </a:extLst>
-            </a:blip>
-            <a:srcRect l="592" t="13642" r="901" b="264"/>
-            <a:stretch/>
-          </p:blipFill>
-          <p:spPr>
-            <a:xfrm>
-              <a:off x="906807" y="653924"/>
-              <a:ext cx="1944000" cy="2712209"/>
+              <a:off x="4849629" y="3398806"/>
+              <a:ext cx="1928343" cy="2712211"/>
             </a:xfrm>
             <a:prstGeom prst="rect">
               <a:avLst/>
